--- a/FCP Sudo Code.pptx
+++ b/FCP Sudo Code.pptx
@@ -104,6 +104,11 @@
       </a:defRPr>
     </a:lvl9pPr>
   </p:defaultTextStyle>
+  <p:extLst>
+    <p:ext uri="{EFAFB233-063F-42B5-8137-9DF3F51BA10A}">
+      <p15:sldGuideLst xmlns:p15="http://schemas.microsoft.com/office/powerpoint/2012/main"/>
+    </p:ext>
+  </p:extLst>
 </p:presentation>
 </file>
 
@@ -4597,6 +4602,138 @@
           </a:fontRef>
         </p:style>
       </p:cxnSp>
+      <p:sp>
+        <p:nvSpPr>
+          <p:cNvPr id="28" name="Rectangle: Rounded Corners 27">
+            <a:extLst>
+              <a:ext uri="{FF2B5EF4-FFF2-40B4-BE49-F238E27FC236}">
+                <a16:creationId xmlns:a16="http://schemas.microsoft.com/office/drawing/2014/main" id="{B2B2589F-3FAC-4525-8BD7-B71B0ED4B625}"/>
+              </a:ext>
+            </a:extLst>
+          </p:cNvPr>
+          <p:cNvSpPr/>
+          <p:nvPr/>
+        </p:nvSpPr>
+        <p:spPr>
+          <a:xfrm>
+            <a:off x="9734136" y="1192308"/>
+            <a:ext cx="1272358" cy="489520"/>
+          </a:xfrm>
+          <a:prstGeom prst="roundRect">
+            <a:avLst/>
+          </a:prstGeom>
+        </p:spPr>
+        <p:style>
+          <a:lnRef idx="2">
+            <a:schemeClr val="accent5">
+              <a:shade val="50000"/>
+            </a:schemeClr>
+          </a:lnRef>
+          <a:fillRef idx="1">
+            <a:schemeClr val="accent5"/>
+          </a:fillRef>
+          <a:effectRef idx="0">
+            <a:schemeClr val="accent5"/>
+          </a:effectRef>
+          <a:fontRef idx="minor">
+            <a:schemeClr val="lt1"/>
+          </a:fontRef>
+        </p:style>
+        <p:txBody>
+          <a:bodyPr rtlCol="0" anchor="ctr"/>
+          <a:lstStyle/>
+          <a:p>
+            <a:pPr algn="ctr"/>
+            <a:r>
+              <a:rPr lang="en-GB" sz="1200" dirty="0"/>
+              <a:t>Area Class</a:t>
+            </a:r>
+          </a:p>
+        </p:txBody>
+      </p:sp>
+      <p:cxnSp>
+        <p:nvCxnSpPr>
+          <p:cNvPr id="29" name="Connector: Elbow 28">
+            <a:extLst>
+              <a:ext uri="{FF2B5EF4-FFF2-40B4-BE49-F238E27FC236}">
+                <a16:creationId xmlns:a16="http://schemas.microsoft.com/office/drawing/2014/main" id="{BF7AD5E2-C2A8-446D-8A5F-6820649A42F2}"/>
+              </a:ext>
+            </a:extLst>
+          </p:cNvPr>
+          <p:cNvCxnSpPr>
+            <a:cxnSpLocks/>
+            <a:stCxn id="28" idx="2"/>
+            <a:endCxn id="10" idx="3"/>
+          </p:cNvCxnSpPr>
+          <p:nvPr/>
+        </p:nvCxnSpPr>
+        <p:spPr>
+          <a:xfrm rot="5400000">
+            <a:off x="9251913" y="2285956"/>
+            <a:ext cx="1722530" cy="514274"/>
+          </a:xfrm>
+          <a:prstGeom prst="bentConnector2">
+            <a:avLst/>
+          </a:prstGeom>
+          <a:ln w="25400">
+            <a:tailEnd type="triangle"/>
+          </a:ln>
+          <a:effectLst/>
+        </p:spPr>
+        <p:style>
+          <a:lnRef idx="1">
+            <a:schemeClr val="accent1"/>
+          </a:lnRef>
+          <a:fillRef idx="0">
+            <a:schemeClr val="accent1"/>
+          </a:fillRef>
+          <a:effectRef idx="0">
+            <a:schemeClr val="accent1"/>
+          </a:effectRef>
+          <a:fontRef idx="minor">
+            <a:schemeClr val="tx1"/>
+          </a:fontRef>
+        </p:style>
+      </p:cxnSp>
+      <p:sp>
+        <p:nvSpPr>
+          <p:cNvPr id="39" name="TextBox 38">
+            <a:extLst>
+              <a:ext uri="{FF2B5EF4-FFF2-40B4-BE49-F238E27FC236}">
+                <a16:creationId xmlns:a16="http://schemas.microsoft.com/office/drawing/2014/main" id="{F8CE0E1E-B092-4930-9913-4924EBC2A811}"/>
+              </a:ext>
+            </a:extLst>
+          </p:cNvPr>
+          <p:cNvSpPr txBox="1"/>
+          <p:nvPr/>
+        </p:nvSpPr>
+        <p:spPr>
+          <a:xfrm>
+            <a:off x="10370315" y="2251436"/>
+            <a:ext cx="1410584" cy="338554"/>
+          </a:xfrm>
+          <a:prstGeom prst="rect">
+            <a:avLst/>
+          </a:prstGeom>
+          <a:noFill/>
+        </p:spPr>
+        <p:txBody>
+          <a:bodyPr wrap="square" rtlCol="0">
+            <a:spAutoFit/>
+          </a:bodyPr>
+          <a:lstStyle/>
+          <a:p>
+            <a:pPr marL="171450" indent="-171450">
+              <a:buFont typeface="Arial" panose="020B0604020202020204" pitchFamily="34" charset="0"/>
+              <a:buChar char="•"/>
+            </a:pPr>
+            <a:r>
+              <a:rPr lang="en-GB" sz="800" dirty="0"/>
+              <a:t>Position of Areas for gravitation</a:t>
+            </a:r>
+          </a:p>
+        </p:txBody>
+      </p:sp>
     </p:spTree>
     <p:extLst>
       <p:ext uri="{BB962C8B-B14F-4D97-AF65-F5344CB8AC3E}">

--- a/FCP Sudo Code.pptx
+++ b/FCP Sudo Code.pptx
@@ -6,6 +6,7 @@
   </p:sldMasterIdLst>
   <p:sldIdLst>
     <p:sldId id="256" r:id="rId2"/>
+    <p:sldId id="257" r:id="rId3"/>
   </p:sldIdLst>
   <p:sldSz cx="12192000" cy="6858000"/>
   <p:notesSz cx="6858000" cy="9144000"/>
@@ -261,7 +262,7 @@
           <a:p>
             <a:fld id="{CA1B1F14-3FAF-4305-9E0F-03D914E5BBB6}" type="datetimeFigureOut">
               <a:rPr lang="en-GB" smtClean="0"/>
-              <a:t>30/04/2021</a:t>
+              <a:t>12/05/2021</a:t>
             </a:fld>
             <a:endParaRPr lang="en-GB"/>
           </a:p>
@@ -461,7 +462,7 @@
           <a:p>
             <a:fld id="{CA1B1F14-3FAF-4305-9E0F-03D914E5BBB6}" type="datetimeFigureOut">
               <a:rPr lang="en-GB" smtClean="0"/>
-              <a:t>30/04/2021</a:t>
+              <a:t>12/05/2021</a:t>
             </a:fld>
             <a:endParaRPr lang="en-GB"/>
           </a:p>
@@ -671,7 +672,7 @@
           <a:p>
             <a:fld id="{CA1B1F14-3FAF-4305-9E0F-03D914E5BBB6}" type="datetimeFigureOut">
               <a:rPr lang="en-GB" smtClean="0"/>
-              <a:t>30/04/2021</a:t>
+              <a:t>12/05/2021</a:t>
             </a:fld>
             <a:endParaRPr lang="en-GB"/>
           </a:p>
@@ -871,7 +872,7 @@
           <a:p>
             <a:fld id="{CA1B1F14-3FAF-4305-9E0F-03D914E5BBB6}" type="datetimeFigureOut">
               <a:rPr lang="en-GB" smtClean="0"/>
-              <a:t>30/04/2021</a:t>
+              <a:t>12/05/2021</a:t>
             </a:fld>
             <a:endParaRPr lang="en-GB"/>
           </a:p>
@@ -1147,7 +1148,7 @@
           <a:p>
             <a:fld id="{CA1B1F14-3FAF-4305-9E0F-03D914E5BBB6}" type="datetimeFigureOut">
               <a:rPr lang="en-GB" smtClean="0"/>
-              <a:t>30/04/2021</a:t>
+              <a:t>12/05/2021</a:t>
             </a:fld>
             <a:endParaRPr lang="en-GB"/>
           </a:p>
@@ -1415,7 +1416,7 @@
           <a:p>
             <a:fld id="{CA1B1F14-3FAF-4305-9E0F-03D914E5BBB6}" type="datetimeFigureOut">
               <a:rPr lang="en-GB" smtClean="0"/>
-              <a:t>30/04/2021</a:t>
+              <a:t>12/05/2021</a:t>
             </a:fld>
             <a:endParaRPr lang="en-GB"/>
           </a:p>
@@ -1830,7 +1831,7 @@
           <a:p>
             <a:fld id="{CA1B1F14-3FAF-4305-9E0F-03D914E5BBB6}" type="datetimeFigureOut">
               <a:rPr lang="en-GB" smtClean="0"/>
-              <a:t>30/04/2021</a:t>
+              <a:t>12/05/2021</a:t>
             </a:fld>
             <a:endParaRPr lang="en-GB"/>
           </a:p>
@@ -1972,7 +1973,7 @@
           <a:p>
             <a:fld id="{CA1B1F14-3FAF-4305-9E0F-03D914E5BBB6}" type="datetimeFigureOut">
               <a:rPr lang="en-GB" smtClean="0"/>
-              <a:t>30/04/2021</a:t>
+              <a:t>12/05/2021</a:t>
             </a:fld>
             <a:endParaRPr lang="en-GB"/>
           </a:p>
@@ -2085,7 +2086,7 @@
           <a:p>
             <a:fld id="{CA1B1F14-3FAF-4305-9E0F-03D914E5BBB6}" type="datetimeFigureOut">
               <a:rPr lang="en-GB" smtClean="0"/>
-              <a:t>30/04/2021</a:t>
+              <a:t>12/05/2021</a:t>
             </a:fld>
             <a:endParaRPr lang="en-GB"/>
           </a:p>
@@ -2398,7 +2399,7 @@
           <a:p>
             <a:fld id="{CA1B1F14-3FAF-4305-9E0F-03D914E5BBB6}" type="datetimeFigureOut">
               <a:rPr lang="en-GB" smtClean="0"/>
-              <a:t>30/04/2021</a:t>
+              <a:t>12/05/2021</a:t>
             </a:fld>
             <a:endParaRPr lang="en-GB"/>
           </a:p>
@@ -2687,7 +2688,7 @@
           <a:p>
             <a:fld id="{CA1B1F14-3FAF-4305-9E0F-03D914E5BBB6}" type="datetimeFigureOut">
               <a:rPr lang="en-GB" smtClean="0"/>
-              <a:t>30/04/2021</a:t>
+              <a:t>12/05/2021</a:t>
             </a:fld>
             <a:endParaRPr lang="en-GB"/>
           </a:p>
@@ -2930,7 +2931,7 @@
           <a:p>
             <a:fld id="{CA1B1F14-3FAF-4305-9E0F-03D914E5BBB6}" type="datetimeFigureOut">
               <a:rPr lang="en-GB" smtClean="0"/>
-              <a:t>30/04/2021</a:t>
+              <a:t>12/05/2021</a:t>
             </a:fld>
             <a:endParaRPr lang="en-GB"/>
           </a:p>
@@ -3349,10 +3350,10 @@
       </p:grpSpPr>
       <p:sp>
         <p:nvSpPr>
-          <p:cNvPr id="4" name="Rectangle: Rounded Corners 3">
-            <a:extLst>
-              <a:ext uri="{FF2B5EF4-FFF2-40B4-BE49-F238E27FC236}">
-                <a16:creationId xmlns:a16="http://schemas.microsoft.com/office/drawing/2014/main" id="{4CC174D9-1BF0-452B-9B58-01725249C3CA}"/>
+          <p:cNvPr id="40" name="Rectangle: Rounded Corners 39">
+            <a:extLst>
+              <a:ext uri="{FF2B5EF4-FFF2-40B4-BE49-F238E27FC236}">
+                <a16:creationId xmlns:a16="http://schemas.microsoft.com/office/drawing/2014/main" id="{27A83577-4326-44C0-9ED7-B45C342C34A7}"/>
               </a:ext>
             </a:extLst>
           </p:cNvPr>
@@ -3361,12 +3362,18 @@
         </p:nvSpPr>
         <p:spPr>
           <a:xfrm>
-            <a:off x="5217554" y="587828"/>
-            <a:ext cx="1272358" cy="489520"/>
+            <a:off x="1487380" y="1300080"/>
+            <a:ext cx="8738242" cy="4061629"/>
           </a:xfrm>
           <a:prstGeom prst="roundRect">
             <a:avLst/>
           </a:prstGeom>
+          <a:solidFill>
+            <a:schemeClr val="accent6">
+              <a:lumMod val="20000"/>
+              <a:lumOff val="80000"/>
+            </a:schemeClr>
+          </a:solidFill>
         </p:spPr>
         <p:style>
           <a:lnRef idx="2">
@@ -3385,23 +3392,26 @@
           </a:fontRef>
         </p:style>
         <p:txBody>
-          <a:bodyPr rtlCol="0" anchor="ctr"/>
-          <a:lstStyle/>
-          <a:p>
-            <a:pPr algn="ctr"/>
-            <a:r>
-              <a:rPr lang="en-GB" sz="1200" dirty="0"/>
-              <a:t>Person Class</a:t>
-            </a:r>
-          </a:p>
-        </p:txBody>
-      </p:sp>
-      <p:sp>
-        <p:nvSpPr>
-          <p:cNvPr id="6" name="Rectangle: Rounded Corners 5">
-            <a:extLst>
-              <a:ext uri="{FF2B5EF4-FFF2-40B4-BE49-F238E27FC236}">
-                <a16:creationId xmlns:a16="http://schemas.microsoft.com/office/drawing/2014/main" id="{DAA7101C-8F1C-411D-9FD5-9F5DB04CA19F}"/>
+          <a:bodyPr rtlCol="0" anchor="t"/>
+          <a:lstStyle/>
+          <a:p>
+            <a:r>
+              <a:rPr lang="en-GB" sz="1200" b="1" dirty="0">
+                <a:solidFill>
+                  <a:schemeClr val="tx1"/>
+                </a:solidFill>
+              </a:rPr>
+              <a:t>SINGLE DAY INSTANCE</a:t>
+            </a:r>
+          </a:p>
+        </p:txBody>
+      </p:sp>
+      <p:sp>
+        <p:nvSpPr>
+          <p:cNvPr id="4" name="Rectangle: Rounded Corners 3">
+            <a:extLst>
+              <a:ext uri="{FF2B5EF4-FFF2-40B4-BE49-F238E27FC236}">
+                <a16:creationId xmlns:a16="http://schemas.microsoft.com/office/drawing/2014/main" id="{4CC174D9-1BF0-452B-9B58-01725249C3CA}"/>
               </a:ext>
             </a:extLst>
           </p:cNvPr>
@@ -3410,7 +3420,7 @@
         </p:nvSpPr>
         <p:spPr>
           <a:xfrm>
-            <a:off x="5215127" y="5780652"/>
+            <a:off x="5215127" y="207023"/>
             <a:ext cx="1272358" cy="489520"/>
           </a:xfrm>
           <a:prstGeom prst="roundRect">
@@ -3440,17 +3450,17 @@
             <a:pPr algn="ctr"/>
             <a:r>
               <a:rPr lang="en-GB" sz="1200" dirty="0"/>
-              <a:t>Animations</a:t>
-            </a:r>
-          </a:p>
-        </p:txBody>
-      </p:sp>
-      <p:sp>
-        <p:nvSpPr>
-          <p:cNvPr id="7" name="Rectangle: Rounded Corners 6">
-            <a:extLst>
-              <a:ext uri="{FF2B5EF4-FFF2-40B4-BE49-F238E27FC236}">
-                <a16:creationId xmlns:a16="http://schemas.microsoft.com/office/drawing/2014/main" id="{351EDBAB-ACB3-417A-A1FE-9D2B0AD610E3}"/>
+              <a:t>Person Class</a:t>
+            </a:r>
+          </a:p>
+        </p:txBody>
+      </p:sp>
+      <p:sp>
+        <p:nvSpPr>
+          <p:cNvPr id="6" name="Rectangle: Rounded Corners 5">
+            <a:extLst>
+              <a:ext uri="{FF2B5EF4-FFF2-40B4-BE49-F238E27FC236}">
+                <a16:creationId xmlns:a16="http://schemas.microsoft.com/office/drawing/2014/main" id="{DAA7101C-8F1C-411D-9FD5-9F5DB04CA19F}"/>
               </a:ext>
             </a:extLst>
           </p:cNvPr>
@@ -3459,7 +3469,7 @@
         </p:nvSpPr>
         <p:spPr>
           <a:xfrm>
-            <a:off x="2369184" y="2286308"/>
+            <a:off x="5215127" y="5780652"/>
             <a:ext cx="1272358" cy="489520"/>
           </a:xfrm>
           <a:prstGeom prst="roundRect">
@@ -3489,17 +3499,17 @@
             <a:pPr algn="ctr"/>
             <a:r>
               <a:rPr lang="en-GB" sz="1200" dirty="0"/>
-              <a:t>Network</a:t>
-            </a:r>
-          </a:p>
-        </p:txBody>
-      </p:sp>
-      <p:sp>
-        <p:nvSpPr>
-          <p:cNvPr id="8" name="Rectangle: Rounded Corners 7">
-            <a:extLst>
-              <a:ext uri="{FF2B5EF4-FFF2-40B4-BE49-F238E27FC236}">
-                <a16:creationId xmlns:a16="http://schemas.microsoft.com/office/drawing/2014/main" id="{1A6F3D83-41AE-454D-8E19-20B4A4E77596}"/>
+              <a:t>Animations</a:t>
+            </a:r>
+          </a:p>
+        </p:txBody>
+      </p:sp>
+      <p:sp>
+        <p:nvSpPr>
+          <p:cNvPr id="7" name="Rectangle: Rounded Corners 6">
+            <a:extLst>
+              <a:ext uri="{FF2B5EF4-FFF2-40B4-BE49-F238E27FC236}">
+                <a16:creationId xmlns:a16="http://schemas.microsoft.com/office/drawing/2014/main" id="{351EDBAB-ACB3-417A-A1FE-9D2B0AD610E3}"/>
               </a:ext>
             </a:extLst>
           </p:cNvPr>
@@ -3508,7 +3518,7 @@
         </p:nvSpPr>
         <p:spPr>
           <a:xfrm>
-            <a:off x="5217554" y="2286308"/>
+            <a:off x="2369184" y="2286308"/>
             <a:ext cx="1272358" cy="489520"/>
           </a:xfrm>
           <a:prstGeom prst="roundRect">
@@ -3538,17 +3548,17 @@
             <a:pPr algn="ctr"/>
             <a:r>
               <a:rPr lang="en-GB" sz="1200" dirty="0"/>
-              <a:t>Population List</a:t>
-            </a:r>
-          </a:p>
-        </p:txBody>
-      </p:sp>
-      <p:sp>
-        <p:nvSpPr>
-          <p:cNvPr id="9" name="Rectangle: Rounded Corners 8">
-            <a:extLst>
-              <a:ext uri="{FF2B5EF4-FFF2-40B4-BE49-F238E27FC236}">
-                <a16:creationId xmlns:a16="http://schemas.microsoft.com/office/drawing/2014/main" id="{B5582DE4-BB39-4791-8174-5D6501EFCA24}"/>
+              <a:t>Network</a:t>
+            </a:r>
+          </a:p>
+        </p:txBody>
+      </p:sp>
+      <p:sp>
+        <p:nvSpPr>
+          <p:cNvPr id="8" name="Rectangle: Rounded Corners 7">
+            <a:extLst>
+              <a:ext uri="{FF2B5EF4-FFF2-40B4-BE49-F238E27FC236}">
+                <a16:creationId xmlns:a16="http://schemas.microsoft.com/office/drawing/2014/main" id="{1A6F3D83-41AE-454D-8E19-20B4A4E77596}"/>
               </a:ext>
             </a:extLst>
           </p:cNvPr>
@@ -3557,7 +3567,7 @@
         </p:nvSpPr>
         <p:spPr>
           <a:xfrm>
-            <a:off x="2369184" y="4082172"/>
+            <a:off x="5217554" y="2286308"/>
             <a:ext cx="1272358" cy="489520"/>
           </a:xfrm>
           <a:prstGeom prst="roundRect">
@@ -3587,17 +3597,17 @@
             <a:pPr algn="ctr"/>
             <a:r>
               <a:rPr lang="en-GB" sz="1200" dirty="0"/>
-              <a:t>Heat Maps</a:t>
-            </a:r>
-          </a:p>
-        </p:txBody>
-      </p:sp>
-      <p:sp>
-        <p:nvSpPr>
-          <p:cNvPr id="10" name="Rectangle: Rounded Corners 9">
-            <a:extLst>
-              <a:ext uri="{FF2B5EF4-FFF2-40B4-BE49-F238E27FC236}">
-                <a16:creationId xmlns:a16="http://schemas.microsoft.com/office/drawing/2014/main" id="{3487631D-6CC0-49B4-93F8-2FE2229A1315}"/>
+              <a:t>Population List</a:t>
+            </a:r>
+          </a:p>
+        </p:txBody>
+      </p:sp>
+      <p:sp>
+        <p:nvSpPr>
+          <p:cNvPr id="9" name="Rectangle: Rounded Corners 8">
+            <a:extLst>
+              <a:ext uri="{FF2B5EF4-FFF2-40B4-BE49-F238E27FC236}">
+                <a16:creationId xmlns:a16="http://schemas.microsoft.com/office/drawing/2014/main" id="{B5582DE4-BB39-4791-8174-5D6501EFCA24}"/>
               </a:ext>
             </a:extLst>
           </p:cNvPr>
@@ -3606,7 +3616,7 @@
         </p:nvSpPr>
         <p:spPr>
           <a:xfrm>
-            <a:off x="8583683" y="3159598"/>
+            <a:off x="2369184" y="4082172"/>
             <a:ext cx="1272358" cy="489520"/>
           </a:xfrm>
           <a:prstGeom prst="roundRect">
@@ -3636,6 +3646,55 @@
             <a:pPr algn="ctr"/>
             <a:r>
               <a:rPr lang="en-GB" sz="1200" dirty="0"/>
+              <a:t>Heat Maps</a:t>
+            </a:r>
+          </a:p>
+        </p:txBody>
+      </p:sp>
+      <p:sp>
+        <p:nvSpPr>
+          <p:cNvPr id="10" name="Rectangle: Rounded Corners 9">
+            <a:extLst>
+              <a:ext uri="{FF2B5EF4-FFF2-40B4-BE49-F238E27FC236}">
+                <a16:creationId xmlns:a16="http://schemas.microsoft.com/office/drawing/2014/main" id="{3487631D-6CC0-49B4-93F8-2FE2229A1315}"/>
+              </a:ext>
+            </a:extLst>
+          </p:cNvPr>
+          <p:cNvSpPr/>
+          <p:nvPr/>
+        </p:nvSpPr>
+        <p:spPr>
+          <a:xfrm>
+            <a:off x="8583683" y="3159598"/>
+            <a:ext cx="1272358" cy="489520"/>
+          </a:xfrm>
+          <a:prstGeom prst="roundRect">
+            <a:avLst/>
+          </a:prstGeom>
+        </p:spPr>
+        <p:style>
+          <a:lnRef idx="2">
+            <a:schemeClr val="accent5">
+              <a:shade val="50000"/>
+            </a:schemeClr>
+          </a:lnRef>
+          <a:fillRef idx="1">
+            <a:schemeClr val="accent5"/>
+          </a:fillRef>
+          <a:effectRef idx="0">
+            <a:schemeClr val="accent5"/>
+          </a:effectRef>
+          <a:fontRef idx="minor">
+            <a:schemeClr val="lt1"/>
+          </a:fontRef>
+        </p:style>
+        <p:txBody>
+          <a:bodyPr rtlCol="0" anchor="ctr"/>
+          <a:lstStyle/>
+          <a:p>
+            <a:pPr algn="ctr"/>
+            <a:r>
+              <a:rPr lang="en-GB" sz="1200" dirty="0"/>
               <a:t>Movement Function</a:t>
             </a:r>
           </a:p>
@@ -3651,6 +3710,7 @@
             </a:extLst>
           </p:cNvPr>
           <p:cNvCxnSpPr>
+            <a:cxnSpLocks/>
             <a:stCxn id="4" idx="2"/>
             <a:endCxn id="8" idx="0"/>
           </p:cNvCxnSpPr>
@@ -3658,8 +3718,8 @@
         </p:nvCxnSpPr>
         <p:spPr>
           <a:xfrm>
-            <a:off x="5853733" y="1077348"/>
-            <a:ext cx="0" cy="1208960"/>
+            <a:off x="5851306" y="696543"/>
+            <a:ext cx="2427" cy="1589765"/>
           </a:xfrm>
           <a:prstGeom prst="straightConnector1">
             <a:avLst/>
@@ -4019,7 +4079,7 @@
         </p:nvSpPr>
         <p:spPr>
           <a:xfrm>
-            <a:off x="5851306" y="1260593"/>
+            <a:off x="5858883" y="793839"/>
             <a:ext cx="1410584" cy="461665"/>
           </a:xfrm>
           <a:prstGeom prst="rect">
@@ -4616,7 +4676,7 @@
         </p:nvSpPr>
         <p:spPr>
           <a:xfrm>
-            <a:off x="9734136" y="1192308"/>
+            <a:off x="10232900" y="765984"/>
             <a:ext cx="1272358" cy="489520"/>
           </a:xfrm>
           <a:prstGeom prst="roundRect">
@@ -4646,7 +4706,7 @@
             <a:pPr algn="ctr"/>
             <a:r>
               <a:rPr lang="en-GB" sz="1200" dirty="0"/>
-              <a:t>Area Class</a:t>
+              <a:t>Area Class??</a:t>
             </a:r>
           </a:p>
         </p:txBody>
@@ -4669,8 +4729,8 @@
         </p:nvCxnSpPr>
         <p:spPr>
           <a:xfrm rot="5400000">
-            <a:off x="9251913" y="2285956"/>
-            <a:ext cx="1722530" cy="514274"/>
+            <a:off x="9288133" y="1823412"/>
+            <a:ext cx="2148854" cy="1013038"/>
           </a:xfrm>
           <a:prstGeom prst="bentConnector2">
             <a:avLst/>
@@ -4709,7 +4769,7 @@
         </p:nvSpPr>
         <p:spPr>
           <a:xfrm>
-            <a:off x="10370315" y="2251436"/>
+            <a:off x="10869079" y="1987760"/>
             <a:ext cx="1410584" cy="338554"/>
           </a:xfrm>
           <a:prstGeom prst="rect">
@@ -4738,6 +4798,881 @@
     <p:extLst>
       <p:ext uri="{BB962C8B-B14F-4D97-AF65-F5344CB8AC3E}">
         <p14:creationId xmlns:p14="http://schemas.microsoft.com/office/powerpoint/2010/main" val="3136728696"/>
+      </p:ext>
+    </p:extLst>
+  </p:cSld>
+  <p:clrMapOvr>
+    <a:masterClrMapping/>
+  </p:clrMapOvr>
+</p:sld>
+</file>
+
+<file path=ppt/slides/slide2.xml><?xml version="1.0" encoding="utf-8"?>
+<p:sld xmlns:a="http://schemas.openxmlformats.org/drawingml/2006/main" xmlns:r="http://schemas.openxmlformats.org/officeDocument/2006/relationships" xmlns:p="http://schemas.openxmlformats.org/presentationml/2006/main">
+  <p:cSld>
+    <p:spTree>
+      <p:nvGrpSpPr>
+        <p:cNvPr id="1" name=""/>
+        <p:cNvGrpSpPr/>
+        <p:nvPr/>
+      </p:nvGrpSpPr>
+      <p:grpSpPr>
+        <a:xfrm>
+          <a:off x="0" y="0"/>
+          <a:ext cx="0" cy="0"/>
+          <a:chOff x="0" y="0"/>
+          <a:chExt cx="0" cy="0"/>
+        </a:xfrm>
+      </p:grpSpPr>
+      <p:sp>
+        <p:nvSpPr>
+          <p:cNvPr id="4" name="Rectangle: Rounded Corners 3">
+            <a:extLst>
+              <a:ext uri="{FF2B5EF4-FFF2-40B4-BE49-F238E27FC236}">
+                <a16:creationId xmlns:a16="http://schemas.microsoft.com/office/drawing/2014/main" id="{4837B890-166C-4B15-9D6E-5CD9363DF34B}"/>
+              </a:ext>
+            </a:extLst>
+          </p:cNvPr>
+          <p:cNvSpPr/>
+          <p:nvPr/>
+        </p:nvSpPr>
+        <p:spPr>
+          <a:xfrm>
+            <a:off x="742880" y="2922155"/>
+            <a:ext cx="1272358" cy="489520"/>
+          </a:xfrm>
+          <a:prstGeom prst="roundRect">
+            <a:avLst/>
+          </a:prstGeom>
+          <a:ln>
+            <a:solidFill>
+              <a:schemeClr val="tx1"/>
+            </a:solidFill>
+          </a:ln>
+        </p:spPr>
+        <p:style>
+          <a:lnRef idx="2">
+            <a:schemeClr val="accent5">
+              <a:shade val="50000"/>
+            </a:schemeClr>
+          </a:lnRef>
+          <a:fillRef idx="1">
+            <a:schemeClr val="accent5"/>
+          </a:fillRef>
+          <a:effectRef idx="0">
+            <a:schemeClr val="accent5"/>
+          </a:effectRef>
+          <a:fontRef idx="minor">
+            <a:schemeClr val="lt1"/>
+          </a:fontRef>
+        </p:style>
+        <p:txBody>
+          <a:bodyPr rtlCol="0" anchor="ctr"/>
+          <a:lstStyle/>
+          <a:p>
+            <a:pPr algn="ctr"/>
+            <a:r>
+              <a:rPr lang="en-GB" sz="1200" b="1" dirty="0">
+                <a:solidFill>
+                  <a:schemeClr val="tx1"/>
+                </a:solidFill>
+              </a:rPr>
+              <a:t>Susceptible</a:t>
+            </a:r>
+          </a:p>
+          <a:p>
+            <a:pPr algn="ctr"/>
+            <a:r>
+              <a:rPr lang="en-GB" sz="1200" b="1" dirty="0">
+                <a:solidFill>
+                  <a:schemeClr val="tx1"/>
+                </a:solidFill>
+              </a:rPr>
+              <a:t>[S]</a:t>
+            </a:r>
+          </a:p>
+        </p:txBody>
+      </p:sp>
+      <p:sp>
+        <p:nvSpPr>
+          <p:cNvPr id="7" name="Rectangle: Rounded Corners 6">
+            <a:extLst>
+              <a:ext uri="{FF2B5EF4-FFF2-40B4-BE49-F238E27FC236}">
+                <a16:creationId xmlns:a16="http://schemas.microsoft.com/office/drawing/2014/main" id="{D146D312-13CA-449C-9A2E-8F394D0CF75E}"/>
+              </a:ext>
+            </a:extLst>
+          </p:cNvPr>
+          <p:cNvSpPr/>
+          <p:nvPr/>
+        </p:nvSpPr>
+        <p:spPr>
+          <a:xfrm>
+            <a:off x="2651417" y="2922155"/>
+            <a:ext cx="1272358" cy="489520"/>
+          </a:xfrm>
+          <a:prstGeom prst="roundRect">
+            <a:avLst/>
+          </a:prstGeom>
+          <a:solidFill>
+            <a:schemeClr val="accent4">
+              <a:lumMod val="60000"/>
+              <a:lumOff val="40000"/>
+            </a:schemeClr>
+          </a:solidFill>
+          <a:ln>
+            <a:solidFill>
+              <a:schemeClr val="tx1"/>
+            </a:solidFill>
+          </a:ln>
+        </p:spPr>
+        <p:style>
+          <a:lnRef idx="2">
+            <a:schemeClr val="accent5">
+              <a:shade val="50000"/>
+            </a:schemeClr>
+          </a:lnRef>
+          <a:fillRef idx="1">
+            <a:schemeClr val="accent5"/>
+          </a:fillRef>
+          <a:effectRef idx="0">
+            <a:schemeClr val="accent5"/>
+          </a:effectRef>
+          <a:fontRef idx="minor">
+            <a:schemeClr val="lt1"/>
+          </a:fontRef>
+        </p:style>
+        <p:txBody>
+          <a:bodyPr rtlCol="0" anchor="ctr"/>
+          <a:lstStyle/>
+          <a:p>
+            <a:pPr algn="ctr"/>
+            <a:r>
+              <a:rPr lang="en-GB" sz="1200" b="1" dirty="0">
+                <a:solidFill>
+                  <a:schemeClr val="tx1"/>
+                </a:solidFill>
+              </a:rPr>
+              <a:t>Contracted</a:t>
+            </a:r>
+          </a:p>
+          <a:p>
+            <a:pPr algn="ctr"/>
+            <a:r>
+              <a:rPr lang="en-GB" sz="1200" b="1" dirty="0">
+                <a:solidFill>
+                  <a:schemeClr val="tx1"/>
+                </a:solidFill>
+              </a:rPr>
+              <a:t>[C]</a:t>
+            </a:r>
+          </a:p>
+        </p:txBody>
+      </p:sp>
+      <p:sp>
+        <p:nvSpPr>
+          <p:cNvPr id="9" name="Rectangle: Rounded Corners 8">
+            <a:extLst>
+              <a:ext uri="{FF2B5EF4-FFF2-40B4-BE49-F238E27FC236}">
+                <a16:creationId xmlns:a16="http://schemas.microsoft.com/office/drawing/2014/main" id="{03533CE7-2068-4324-BF38-85E2056B0602}"/>
+              </a:ext>
+            </a:extLst>
+          </p:cNvPr>
+          <p:cNvSpPr/>
+          <p:nvPr/>
+        </p:nvSpPr>
+        <p:spPr>
+          <a:xfrm>
+            <a:off x="5841351" y="3622966"/>
+            <a:ext cx="1272358" cy="489520"/>
+          </a:xfrm>
+          <a:prstGeom prst="roundRect">
+            <a:avLst/>
+          </a:prstGeom>
+          <a:solidFill>
+            <a:srgbClr val="C00000"/>
+          </a:solidFill>
+          <a:ln>
+            <a:solidFill>
+              <a:schemeClr val="tx1"/>
+            </a:solidFill>
+          </a:ln>
+        </p:spPr>
+        <p:style>
+          <a:lnRef idx="2">
+            <a:schemeClr val="accent5">
+              <a:shade val="50000"/>
+            </a:schemeClr>
+          </a:lnRef>
+          <a:fillRef idx="1">
+            <a:schemeClr val="accent5"/>
+          </a:fillRef>
+          <a:effectRef idx="0">
+            <a:schemeClr val="accent5"/>
+          </a:effectRef>
+          <a:fontRef idx="minor">
+            <a:schemeClr val="lt1"/>
+          </a:fontRef>
+        </p:style>
+        <p:txBody>
+          <a:bodyPr rtlCol="0" anchor="ctr"/>
+          <a:lstStyle/>
+          <a:p>
+            <a:pPr algn="ctr"/>
+            <a:r>
+              <a:rPr lang="en-GB" sz="1200" b="1" dirty="0">
+                <a:solidFill>
+                  <a:schemeClr val="tx1"/>
+                </a:solidFill>
+              </a:rPr>
+              <a:t>Infectious</a:t>
+            </a:r>
+          </a:p>
+          <a:p>
+            <a:pPr algn="ctr"/>
+            <a:r>
+              <a:rPr lang="en-GB" sz="1200" b="1" dirty="0">
+                <a:solidFill>
+                  <a:schemeClr val="tx1"/>
+                </a:solidFill>
+              </a:rPr>
+              <a:t>[I]</a:t>
+            </a:r>
+          </a:p>
+        </p:txBody>
+      </p:sp>
+      <p:sp>
+        <p:nvSpPr>
+          <p:cNvPr id="10" name="Rectangle: Rounded Corners 9">
+            <a:extLst>
+              <a:ext uri="{FF2B5EF4-FFF2-40B4-BE49-F238E27FC236}">
+                <a16:creationId xmlns:a16="http://schemas.microsoft.com/office/drawing/2014/main" id="{7484A8A1-0550-414C-9DA7-EFAA4678D844}"/>
+              </a:ext>
+            </a:extLst>
+          </p:cNvPr>
+          <p:cNvSpPr/>
+          <p:nvPr/>
+        </p:nvSpPr>
+        <p:spPr>
+          <a:xfrm>
+            <a:off x="5841351" y="2386898"/>
+            <a:ext cx="1272358" cy="563426"/>
+          </a:xfrm>
+          <a:prstGeom prst="roundRect">
+            <a:avLst/>
+          </a:prstGeom>
+          <a:solidFill>
+            <a:schemeClr val="accent2">
+              <a:lumMod val="75000"/>
+            </a:schemeClr>
+          </a:solidFill>
+          <a:ln>
+            <a:solidFill>
+              <a:schemeClr val="tx1"/>
+            </a:solidFill>
+          </a:ln>
+        </p:spPr>
+        <p:style>
+          <a:lnRef idx="2">
+            <a:schemeClr val="accent5">
+              <a:shade val="50000"/>
+            </a:schemeClr>
+          </a:lnRef>
+          <a:fillRef idx="1">
+            <a:schemeClr val="accent5"/>
+          </a:fillRef>
+          <a:effectRef idx="0">
+            <a:schemeClr val="accent5"/>
+          </a:effectRef>
+          <a:fontRef idx="minor">
+            <a:schemeClr val="lt1"/>
+          </a:fontRef>
+        </p:style>
+        <p:txBody>
+          <a:bodyPr rtlCol="0" anchor="ctr"/>
+          <a:lstStyle/>
+          <a:p>
+            <a:pPr algn="ctr"/>
+            <a:r>
+              <a:rPr lang="en-GB" sz="1200" b="1" dirty="0">
+                <a:solidFill>
+                  <a:schemeClr val="tx1"/>
+                </a:solidFill>
+              </a:rPr>
+              <a:t>Asymptomatic Infectious</a:t>
+            </a:r>
+          </a:p>
+          <a:p>
+            <a:pPr algn="ctr"/>
+            <a:r>
+              <a:rPr lang="en-GB" sz="1200" b="1" dirty="0">
+                <a:solidFill>
+                  <a:schemeClr val="tx1"/>
+                </a:solidFill>
+              </a:rPr>
+              <a:t>[A]</a:t>
+            </a:r>
+          </a:p>
+        </p:txBody>
+      </p:sp>
+      <p:sp>
+        <p:nvSpPr>
+          <p:cNvPr id="11" name="Rectangle: Rounded Corners 10">
+            <a:extLst>
+              <a:ext uri="{FF2B5EF4-FFF2-40B4-BE49-F238E27FC236}">
+                <a16:creationId xmlns:a16="http://schemas.microsoft.com/office/drawing/2014/main" id="{C9E7963A-EF90-4D70-842F-24F070CEA486}"/>
+              </a:ext>
+            </a:extLst>
+          </p:cNvPr>
+          <p:cNvSpPr/>
+          <p:nvPr/>
+        </p:nvSpPr>
+        <p:spPr>
+          <a:xfrm>
+            <a:off x="8572339" y="3021555"/>
+            <a:ext cx="1272358" cy="489520"/>
+          </a:xfrm>
+          <a:prstGeom prst="roundRect">
+            <a:avLst/>
+          </a:prstGeom>
+          <a:ln>
+            <a:solidFill>
+              <a:schemeClr val="tx1"/>
+            </a:solidFill>
+          </a:ln>
+        </p:spPr>
+        <p:style>
+          <a:lnRef idx="2">
+            <a:schemeClr val="accent6">
+              <a:shade val="50000"/>
+            </a:schemeClr>
+          </a:lnRef>
+          <a:fillRef idx="1">
+            <a:schemeClr val="accent6"/>
+          </a:fillRef>
+          <a:effectRef idx="0">
+            <a:schemeClr val="accent6"/>
+          </a:effectRef>
+          <a:fontRef idx="minor">
+            <a:schemeClr val="lt1"/>
+          </a:fontRef>
+        </p:style>
+        <p:txBody>
+          <a:bodyPr rtlCol="0" anchor="ctr"/>
+          <a:lstStyle/>
+          <a:p>
+            <a:pPr algn="ctr"/>
+            <a:r>
+              <a:rPr lang="en-GB" sz="1200" b="1" dirty="0">
+                <a:solidFill>
+                  <a:schemeClr val="tx1"/>
+                </a:solidFill>
+              </a:rPr>
+              <a:t>Recovered</a:t>
+            </a:r>
+          </a:p>
+          <a:p>
+            <a:pPr algn="ctr"/>
+            <a:r>
+              <a:rPr lang="en-GB" sz="1200" b="1" dirty="0">
+                <a:solidFill>
+                  <a:schemeClr val="tx1"/>
+                </a:solidFill>
+              </a:rPr>
+              <a:t>[R]</a:t>
+            </a:r>
+          </a:p>
+        </p:txBody>
+      </p:sp>
+      <p:sp>
+        <p:nvSpPr>
+          <p:cNvPr id="12" name="Rectangle: Rounded Corners 11">
+            <a:extLst>
+              <a:ext uri="{FF2B5EF4-FFF2-40B4-BE49-F238E27FC236}">
+                <a16:creationId xmlns:a16="http://schemas.microsoft.com/office/drawing/2014/main" id="{73EC7E8D-8EF6-4660-A41A-E0705750F1AA}"/>
+              </a:ext>
+            </a:extLst>
+          </p:cNvPr>
+          <p:cNvSpPr/>
+          <p:nvPr/>
+        </p:nvSpPr>
+        <p:spPr>
+          <a:xfrm>
+            <a:off x="5841351" y="5100778"/>
+            <a:ext cx="1272358" cy="489520"/>
+          </a:xfrm>
+          <a:prstGeom prst="roundRect">
+            <a:avLst/>
+          </a:prstGeom>
+          <a:ln>
+            <a:solidFill>
+              <a:schemeClr val="tx1"/>
+            </a:solidFill>
+          </a:ln>
+        </p:spPr>
+        <p:style>
+          <a:lnRef idx="2">
+            <a:schemeClr val="accent3">
+              <a:shade val="50000"/>
+            </a:schemeClr>
+          </a:lnRef>
+          <a:fillRef idx="1">
+            <a:schemeClr val="accent3"/>
+          </a:fillRef>
+          <a:effectRef idx="0">
+            <a:schemeClr val="accent3"/>
+          </a:effectRef>
+          <a:fontRef idx="minor">
+            <a:schemeClr val="lt1"/>
+          </a:fontRef>
+        </p:style>
+        <p:txBody>
+          <a:bodyPr rtlCol="0" anchor="ctr"/>
+          <a:lstStyle/>
+          <a:p>
+            <a:pPr algn="ctr"/>
+            <a:r>
+              <a:rPr lang="en-GB" sz="1200" b="1" dirty="0">
+                <a:solidFill>
+                  <a:schemeClr val="tx1"/>
+                </a:solidFill>
+              </a:rPr>
+              <a:t>Deceased</a:t>
+            </a:r>
+          </a:p>
+          <a:p>
+            <a:pPr algn="ctr"/>
+            <a:r>
+              <a:rPr lang="en-GB" sz="1200" b="1" dirty="0">
+                <a:solidFill>
+                  <a:schemeClr val="tx1"/>
+                </a:solidFill>
+              </a:rPr>
+              <a:t>[D]</a:t>
+            </a:r>
+          </a:p>
+        </p:txBody>
+      </p:sp>
+      <p:cxnSp>
+        <p:nvCxnSpPr>
+          <p:cNvPr id="15" name="Straight Arrow Connector 14">
+            <a:extLst>
+              <a:ext uri="{FF2B5EF4-FFF2-40B4-BE49-F238E27FC236}">
+                <a16:creationId xmlns:a16="http://schemas.microsoft.com/office/drawing/2014/main" id="{D3457CA4-3155-4331-B661-DB5FF6AE6C5B}"/>
+              </a:ext>
+            </a:extLst>
+          </p:cNvPr>
+          <p:cNvCxnSpPr>
+            <a:cxnSpLocks/>
+            <a:stCxn id="9" idx="2"/>
+            <a:endCxn id="12" idx="0"/>
+          </p:cNvCxnSpPr>
+          <p:nvPr/>
+        </p:nvCxnSpPr>
+        <p:spPr>
+          <a:xfrm>
+            <a:off x="6477530" y="4112486"/>
+            <a:ext cx="0" cy="988292"/>
+          </a:xfrm>
+          <a:prstGeom prst="straightConnector1">
+            <a:avLst/>
+          </a:prstGeom>
+          <a:ln>
+            <a:solidFill>
+              <a:schemeClr val="tx1"/>
+            </a:solidFill>
+            <a:tailEnd type="triangle"/>
+          </a:ln>
+        </p:spPr>
+        <p:style>
+          <a:lnRef idx="1">
+            <a:schemeClr val="accent1"/>
+          </a:lnRef>
+          <a:fillRef idx="0">
+            <a:schemeClr val="accent1"/>
+          </a:fillRef>
+          <a:effectRef idx="0">
+            <a:schemeClr val="accent1"/>
+          </a:effectRef>
+          <a:fontRef idx="minor">
+            <a:schemeClr val="tx1"/>
+          </a:fontRef>
+        </p:style>
+      </p:cxnSp>
+      <p:cxnSp>
+        <p:nvCxnSpPr>
+          <p:cNvPr id="22" name="Connector: Elbow 21">
+            <a:extLst>
+              <a:ext uri="{FF2B5EF4-FFF2-40B4-BE49-F238E27FC236}">
+                <a16:creationId xmlns:a16="http://schemas.microsoft.com/office/drawing/2014/main" id="{4853BA38-CB95-475D-A0F7-6195832DEA61}"/>
+              </a:ext>
+            </a:extLst>
+          </p:cNvPr>
+          <p:cNvCxnSpPr>
+            <a:cxnSpLocks/>
+            <a:stCxn id="9" idx="3"/>
+            <a:endCxn id="11" idx="2"/>
+          </p:cNvCxnSpPr>
+          <p:nvPr/>
+        </p:nvCxnSpPr>
+        <p:spPr>
+          <a:xfrm flipV="1">
+            <a:off x="7113709" y="3511075"/>
+            <a:ext cx="2094809" cy="356651"/>
+          </a:xfrm>
+          <a:prstGeom prst="bentConnector2">
+            <a:avLst/>
+          </a:prstGeom>
+          <a:ln>
+            <a:solidFill>
+              <a:schemeClr val="tx1"/>
+            </a:solidFill>
+            <a:tailEnd type="triangle"/>
+          </a:ln>
+        </p:spPr>
+        <p:style>
+          <a:lnRef idx="1">
+            <a:schemeClr val="accent1"/>
+          </a:lnRef>
+          <a:fillRef idx="0">
+            <a:schemeClr val="accent1"/>
+          </a:fillRef>
+          <a:effectRef idx="0">
+            <a:schemeClr val="accent1"/>
+          </a:effectRef>
+          <a:fontRef idx="minor">
+            <a:schemeClr val="tx1"/>
+          </a:fontRef>
+        </p:style>
+      </p:cxnSp>
+      <p:cxnSp>
+        <p:nvCxnSpPr>
+          <p:cNvPr id="25" name="Straight Arrow Connector 24">
+            <a:extLst>
+              <a:ext uri="{FF2B5EF4-FFF2-40B4-BE49-F238E27FC236}">
+                <a16:creationId xmlns:a16="http://schemas.microsoft.com/office/drawing/2014/main" id="{F7820494-0DB5-4D97-9C39-435D6355D761}"/>
+              </a:ext>
+            </a:extLst>
+          </p:cNvPr>
+          <p:cNvCxnSpPr>
+            <a:cxnSpLocks/>
+            <a:stCxn id="7" idx="3"/>
+            <a:endCxn id="10" idx="1"/>
+          </p:cNvCxnSpPr>
+          <p:nvPr/>
+        </p:nvCxnSpPr>
+        <p:spPr>
+          <a:xfrm flipV="1">
+            <a:off x="3923775" y="2668611"/>
+            <a:ext cx="1917576" cy="498304"/>
+          </a:xfrm>
+          <a:prstGeom prst="straightConnector1">
+            <a:avLst/>
+          </a:prstGeom>
+          <a:ln>
+            <a:solidFill>
+              <a:schemeClr val="tx1"/>
+            </a:solidFill>
+            <a:tailEnd type="triangle"/>
+          </a:ln>
+        </p:spPr>
+        <p:style>
+          <a:lnRef idx="1">
+            <a:schemeClr val="accent1"/>
+          </a:lnRef>
+          <a:fillRef idx="0">
+            <a:schemeClr val="accent1"/>
+          </a:fillRef>
+          <a:effectRef idx="0">
+            <a:schemeClr val="accent1"/>
+          </a:effectRef>
+          <a:fontRef idx="minor">
+            <a:schemeClr val="tx1"/>
+          </a:fontRef>
+        </p:style>
+      </p:cxnSp>
+      <p:cxnSp>
+        <p:nvCxnSpPr>
+          <p:cNvPr id="28" name="Straight Arrow Connector 27">
+            <a:extLst>
+              <a:ext uri="{FF2B5EF4-FFF2-40B4-BE49-F238E27FC236}">
+                <a16:creationId xmlns:a16="http://schemas.microsoft.com/office/drawing/2014/main" id="{25B9C9F5-874B-4C7D-9E86-C26824DB031E}"/>
+              </a:ext>
+            </a:extLst>
+          </p:cNvPr>
+          <p:cNvCxnSpPr>
+            <a:cxnSpLocks/>
+            <a:stCxn id="7" idx="3"/>
+            <a:endCxn id="9" idx="1"/>
+          </p:cNvCxnSpPr>
+          <p:nvPr/>
+        </p:nvCxnSpPr>
+        <p:spPr>
+          <a:xfrm>
+            <a:off x="3923775" y="3166915"/>
+            <a:ext cx="1917576" cy="700811"/>
+          </a:xfrm>
+          <a:prstGeom prst="straightConnector1">
+            <a:avLst/>
+          </a:prstGeom>
+          <a:ln>
+            <a:solidFill>
+              <a:schemeClr val="tx1"/>
+            </a:solidFill>
+            <a:tailEnd type="triangle"/>
+          </a:ln>
+        </p:spPr>
+        <p:style>
+          <a:lnRef idx="1">
+            <a:schemeClr val="accent1"/>
+          </a:lnRef>
+          <a:fillRef idx="0">
+            <a:schemeClr val="accent1"/>
+          </a:fillRef>
+          <a:effectRef idx="0">
+            <a:schemeClr val="accent1"/>
+          </a:effectRef>
+          <a:fontRef idx="minor">
+            <a:schemeClr val="tx1"/>
+          </a:fontRef>
+        </p:style>
+      </p:cxnSp>
+      <p:cxnSp>
+        <p:nvCxnSpPr>
+          <p:cNvPr id="31" name="Straight Arrow Connector 30">
+            <a:extLst>
+              <a:ext uri="{FF2B5EF4-FFF2-40B4-BE49-F238E27FC236}">
+                <a16:creationId xmlns:a16="http://schemas.microsoft.com/office/drawing/2014/main" id="{22EF6F01-819A-461E-B8AB-E4A2552CACF1}"/>
+              </a:ext>
+            </a:extLst>
+          </p:cNvPr>
+          <p:cNvCxnSpPr>
+            <a:cxnSpLocks/>
+            <a:stCxn id="4" idx="3"/>
+            <a:endCxn id="7" idx="1"/>
+          </p:cNvCxnSpPr>
+          <p:nvPr/>
+        </p:nvCxnSpPr>
+        <p:spPr>
+          <a:xfrm>
+            <a:off x="2015238" y="3166915"/>
+            <a:ext cx="636179" cy="0"/>
+          </a:xfrm>
+          <a:prstGeom prst="straightConnector1">
+            <a:avLst/>
+          </a:prstGeom>
+          <a:ln>
+            <a:solidFill>
+              <a:schemeClr val="tx1"/>
+            </a:solidFill>
+            <a:tailEnd type="triangle"/>
+          </a:ln>
+        </p:spPr>
+        <p:style>
+          <a:lnRef idx="1">
+            <a:schemeClr val="accent1"/>
+          </a:lnRef>
+          <a:fillRef idx="0">
+            <a:schemeClr val="accent1"/>
+          </a:fillRef>
+          <a:effectRef idx="0">
+            <a:schemeClr val="accent1"/>
+          </a:effectRef>
+          <a:fontRef idx="minor">
+            <a:schemeClr val="tx1"/>
+          </a:fontRef>
+        </p:style>
+      </p:cxnSp>
+      <p:sp>
+        <p:nvSpPr>
+          <p:cNvPr id="42" name="Arrow: Left-Right 41">
+            <a:extLst>
+              <a:ext uri="{FF2B5EF4-FFF2-40B4-BE49-F238E27FC236}">
+                <a16:creationId xmlns:a16="http://schemas.microsoft.com/office/drawing/2014/main" id="{1C3AC8A8-B51E-48A8-87FB-72DF012464BB}"/>
+              </a:ext>
+            </a:extLst>
+          </p:cNvPr>
+          <p:cNvSpPr/>
+          <p:nvPr/>
+        </p:nvSpPr>
+        <p:spPr>
+          <a:xfrm>
+            <a:off x="3619662" y="831273"/>
+            <a:ext cx="2221689" cy="802874"/>
+          </a:xfrm>
+          <a:prstGeom prst="leftRightArrow">
+            <a:avLst/>
+          </a:prstGeom>
+        </p:spPr>
+        <p:style>
+          <a:lnRef idx="2">
+            <a:schemeClr val="accent1">
+              <a:shade val="50000"/>
+            </a:schemeClr>
+          </a:lnRef>
+          <a:fillRef idx="1">
+            <a:schemeClr val="accent1"/>
+          </a:fillRef>
+          <a:effectRef idx="0">
+            <a:schemeClr val="accent1"/>
+          </a:effectRef>
+          <a:fontRef idx="minor">
+            <a:schemeClr val="lt1"/>
+          </a:fontRef>
+        </p:style>
+        <p:txBody>
+          <a:bodyPr rtlCol="0" anchor="ctr"/>
+          <a:lstStyle/>
+          <a:p>
+            <a:pPr algn="ctr"/>
+            <a:r>
+              <a:rPr lang="en-GB" sz="1200" dirty="0"/>
+              <a:t>Incubation Time (X Days)</a:t>
+            </a:r>
+          </a:p>
+        </p:txBody>
+      </p:sp>
+      <p:sp>
+        <p:nvSpPr>
+          <p:cNvPr id="43" name="Arrow: Left-Right 42">
+            <a:extLst>
+              <a:ext uri="{FF2B5EF4-FFF2-40B4-BE49-F238E27FC236}">
+                <a16:creationId xmlns:a16="http://schemas.microsoft.com/office/drawing/2014/main" id="{F4F8AC0C-BEBB-4D9B-9461-49B3A80FDF56}"/>
+              </a:ext>
+            </a:extLst>
+          </p:cNvPr>
+          <p:cNvSpPr/>
+          <p:nvPr/>
+        </p:nvSpPr>
+        <p:spPr>
+          <a:xfrm>
+            <a:off x="6790368" y="831273"/>
+            <a:ext cx="2221689" cy="802874"/>
+          </a:xfrm>
+          <a:prstGeom prst="leftRightArrow">
+            <a:avLst/>
+          </a:prstGeom>
+        </p:spPr>
+        <p:style>
+          <a:lnRef idx="2">
+            <a:schemeClr val="accent1">
+              <a:shade val="50000"/>
+            </a:schemeClr>
+          </a:lnRef>
+          <a:fillRef idx="1">
+            <a:schemeClr val="accent1"/>
+          </a:fillRef>
+          <a:effectRef idx="0">
+            <a:schemeClr val="accent1"/>
+          </a:effectRef>
+          <a:fontRef idx="minor">
+            <a:schemeClr val="lt1"/>
+          </a:fontRef>
+        </p:style>
+        <p:txBody>
+          <a:bodyPr rtlCol="0" anchor="ctr"/>
+          <a:lstStyle/>
+          <a:p>
+            <a:pPr algn="ctr"/>
+            <a:r>
+              <a:rPr lang="en-GB" sz="1200" dirty="0"/>
+              <a:t>Recovery Time (Random X Days)</a:t>
+            </a:r>
+          </a:p>
+        </p:txBody>
+      </p:sp>
+      <p:cxnSp>
+        <p:nvCxnSpPr>
+          <p:cNvPr id="62" name="Connector: Elbow 61">
+            <a:extLst>
+              <a:ext uri="{FF2B5EF4-FFF2-40B4-BE49-F238E27FC236}">
+                <a16:creationId xmlns:a16="http://schemas.microsoft.com/office/drawing/2014/main" id="{F6CD1CBA-B555-47B3-A993-F9503109013C}"/>
+              </a:ext>
+            </a:extLst>
+          </p:cNvPr>
+          <p:cNvCxnSpPr>
+            <a:cxnSpLocks/>
+            <a:stCxn id="10" idx="3"/>
+            <a:endCxn id="11" idx="0"/>
+          </p:cNvCxnSpPr>
+          <p:nvPr/>
+        </p:nvCxnSpPr>
+        <p:spPr>
+          <a:xfrm>
+            <a:off x="7113709" y="2668611"/>
+            <a:ext cx="2094809" cy="352944"/>
+          </a:xfrm>
+          <a:prstGeom prst="bentConnector2">
+            <a:avLst/>
+          </a:prstGeom>
+          <a:ln>
+            <a:solidFill>
+              <a:schemeClr val="tx1"/>
+            </a:solidFill>
+            <a:tailEnd type="triangle"/>
+          </a:ln>
+        </p:spPr>
+        <p:style>
+          <a:lnRef idx="1">
+            <a:schemeClr val="accent1"/>
+          </a:lnRef>
+          <a:fillRef idx="0">
+            <a:schemeClr val="accent1"/>
+          </a:fillRef>
+          <a:effectRef idx="0">
+            <a:schemeClr val="accent1"/>
+          </a:effectRef>
+          <a:fontRef idx="minor">
+            <a:schemeClr val="tx1"/>
+          </a:fontRef>
+        </p:style>
+      </p:cxnSp>
+      <p:sp>
+        <p:nvSpPr>
+          <p:cNvPr id="67" name="TextBox 66">
+            <a:extLst>
+              <a:ext uri="{FF2B5EF4-FFF2-40B4-BE49-F238E27FC236}">
+                <a16:creationId xmlns:a16="http://schemas.microsoft.com/office/drawing/2014/main" id="{E1FF055F-49DD-418F-92D7-CF78E8A5C641}"/>
+              </a:ext>
+            </a:extLst>
+          </p:cNvPr>
+          <p:cNvSpPr txBox="1"/>
+          <p:nvPr/>
+        </p:nvSpPr>
+        <p:spPr>
+          <a:xfrm>
+            <a:off x="6336212" y="4453453"/>
+            <a:ext cx="1402925" cy="369332"/>
+          </a:xfrm>
+          <a:prstGeom prst="rect">
+            <a:avLst/>
+          </a:prstGeom>
+          <a:noFill/>
+        </p:spPr>
+        <p:txBody>
+          <a:bodyPr wrap="square" rtlCol="0">
+            <a:spAutoFit/>
+          </a:bodyPr>
+          <a:lstStyle/>
+          <a:p>
+            <a:pPr algn="ctr"/>
+            <a:r>
+              <a:rPr lang="en-GB" sz="900" b="1" dirty="0"/>
+              <a:t>Probability each day </a:t>
+            </a:r>
+            <a:br>
+              <a:rPr lang="en-GB" sz="900" b="1" dirty="0"/>
+            </a:br>
+            <a:r>
+              <a:rPr lang="en-GB" sz="900" b="1" dirty="0"/>
+              <a:t>(P%)</a:t>
+            </a:r>
+          </a:p>
+        </p:txBody>
+      </p:sp>
+    </p:spTree>
+    <p:extLst>
+      <p:ext uri="{BB962C8B-B14F-4D97-AF65-F5344CB8AC3E}">
+        <p14:creationId xmlns:p14="http://schemas.microsoft.com/office/powerpoint/2010/main" val="2171022384"/>
       </p:ext>
     </p:extLst>
   </p:cSld>
